--- a/Presentations/Chatbots – Agent conversationel.pptx
+++ b/Presentations/Chatbots – Agent conversationel.pptx
@@ -6,9 +6,12 @@
   </p:sldMasterIdLst>
   <p:sldIdLst>
     <p:sldId id="256" r:id="rId2"/>
-    <p:sldId id="257" r:id="rId3"/>
-    <p:sldId id="259" r:id="rId4"/>
-    <p:sldId id="258" r:id="rId5"/>
+    <p:sldId id="261" r:id="rId3"/>
+    <p:sldId id="257" r:id="rId4"/>
+    <p:sldId id="262" r:id="rId5"/>
+    <p:sldId id="259" r:id="rId6"/>
+    <p:sldId id="258" r:id="rId7"/>
+    <p:sldId id="260" r:id="rId8"/>
   </p:sldIdLst>
   <p:sldSz cx="9144000" cy="6858000" type="screen4x3"/>
   <p:notesSz cx="6858000" cy="9144000"/>
@@ -291,7 +294,7 @@
           <a:p>
             <a:fld id="{D244B3BA-AA38-4B28-B4F1-D10FB74F0FE7}" type="datetimeFigureOut">
               <a:rPr lang="fr-FR" smtClean="0"/>
-              <a:t>18/12/2017</a:t>
+              <a:t>21/12/2017</a:t>
             </a:fld>
             <a:endParaRPr lang="fr-FR"/>
           </a:p>
@@ -461,7 +464,7 @@
           <a:p>
             <a:fld id="{D244B3BA-AA38-4B28-B4F1-D10FB74F0FE7}" type="datetimeFigureOut">
               <a:rPr lang="fr-FR" smtClean="0"/>
-              <a:t>18/12/2017</a:t>
+              <a:t>21/12/2017</a:t>
             </a:fld>
             <a:endParaRPr lang="fr-FR"/>
           </a:p>
@@ -641,7 +644,7 @@
           <a:p>
             <a:fld id="{D244B3BA-AA38-4B28-B4F1-D10FB74F0FE7}" type="datetimeFigureOut">
               <a:rPr lang="fr-FR" smtClean="0"/>
-              <a:t>18/12/2017</a:t>
+              <a:t>21/12/2017</a:t>
             </a:fld>
             <a:endParaRPr lang="fr-FR"/>
           </a:p>
@@ -811,7 +814,7 @@
           <a:p>
             <a:fld id="{D244B3BA-AA38-4B28-B4F1-D10FB74F0FE7}" type="datetimeFigureOut">
               <a:rPr lang="fr-FR" smtClean="0"/>
-              <a:t>18/12/2017</a:t>
+              <a:t>21/12/2017</a:t>
             </a:fld>
             <a:endParaRPr lang="fr-FR"/>
           </a:p>
@@ -1057,7 +1060,7 @@
           <a:p>
             <a:fld id="{D244B3BA-AA38-4B28-B4F1-D10FB74F0FE7}" type="datetimeFigureOut">
               <a:rPr lang="fr-FR" smtClean="0"/>
-              <a:t>18/12/2017</a:t>
+              <a:t>21/12/2017</a:t>
             </a:fld>
             <a:endParaRPr lang="fr-FR"/>
           </a:p>
@@ -1345,7 +1348,7 @@
           <a:p>
             <a:fld id="{D244B3BA-AA38-4B28-B4F1-D10FB74F0FE7}" type="datetimeFigureOut">
               <a:rPr lang="fr-FR" smtClean="0"/>
-              <a:t>18/12/2017</a:t>
+              <a:t>21/12/2017</a:t>
             </a:fld>
             <a:endParaRPr lang="fr-FR"/>
           </a:p>
@@ -1767,7 +1770,7 @@
           <a:p>
             <a:fld id="{D244B3BA-AA38-4B28-B4F1-D10FB74F0FE7}" type="datetimeFigureOut">
               <a:rPr lang="fr-FR" smtClean="0"/>
-              <a:t>18/12/2017</a:t>
+              <a:t>21/12/2017</a:t>
             </a:fld>
             <a:endParaRPr lang="fr-FR"/>
           </a:p>
@@ -1885,7 +1888,7 @@
           <a:p>
             <a:fld id="{D244B3BA-AA38-4B28-B4F1-D10FB74F0FE7}" type="datetimeFigureOut">
               <a:rPr lang="fr-FR" smtClean="0"/>
-              <a:t>18/12/2017</a:t>
+              <a:t>21/12/2017</a:t>
             </a:fld>
             <a:endParaRPr lang="fr-FR"/>
           </a:p>
@@ -1980,7 +1983,7 @@
           <a:p>
             <a:fld id="{D244B3BA-AA38-4B28-B4F1-D10FB74F0FE7}" type="datetimeFigureOut">
               <a:rPr lang="fr-FR" smtClean="0"/>
-              <a:t>18/12/2017</a:t>
+              <a:t>21/12/2017</a:t>
             </a:fld>
             <a:endParaRPr lang="fr-FR"/>
           </a:p>
@@ -2257,7 +2260,7 @@
           <a:p>
             <a:fld id="{D244B3BA-AA38-4B28-B4F1-D10FB74F0FE7}" type="datetimeFigureOut">
               <a:rPr lang="fr-FR" smtClean="0"/>
-              <a:t>18/12/2017</a:t>
+              <a:t>21/12/2017</a:t>
             </a:fld>
             <a:endParaRPr lang="fr-FR"/>
           </a:p>
@@ -2510,7 +2513,7 @@
           <a:p>
             <a:fld id="{D244B3BA-AA38-4B28-B4F1-D10FB74F0FE7}" type="datetimeFigureOut">
               <a:rPr lang="fr-FR" smtClean="0"/>
-              <a:t>18/12/2017</a:t>
+              <a:t>21/12/2017</a:t>
             </a:fld>
             <a:endParaRPr lang="fr-FR"/>
           </a:p>
@@ -2723,7 +2726,7 @@
           <a:p>
             <a:fld id="{D244B3BA-AA38-4B28-B4F1-D10FB74F0FE7}" type="datetimeFigureOut">
               <a:rPr lang="fr-FR" smtClean="0"/>
-              <a:t>18/12/2017</a:t>
+              <a:t>21/12/2017</a:t>
             </a:fld>
             <a:endParaRPr lang="fr-FR"/>
           </a:p>
@@ -3190,6 +3193,918 @@
         </p:nvSpPr>
         <p:spPr/>
         <p:txBody>
+          <a:bodyPr>
+            <a:normAutofit fontScale="90000"/>
+          </a:bodyPr>
+          <a:lstStyle/>
+          <a:p>
+            <a:r>
+              <a:rPr lang="en-US" b="1" dirty="0" err="1"/>
+              <a:t>Chatbot</a:t>
+            </a:r>
+            <a:r>
+              <a:rPr lang="en-US" b="1" dirty="0"/>
+              <a:t> Pre-Development </a:t>
+            </a:r>
+            <a:r>
+              <a:rPr lang="en-US" b="1" dirty="0" smtClean="0"/>
+              <a:t>Questions</a:t>
+            </a:r>
+            <a:endParaRPr lang="fr-FR" dirty="0"/>
+          </a:p>
+        </p:txBody>
+      </p:sp>
+      <p:sp>
+        <p:nvSpPr>
+          <p:cNvPr id="3" name="Espace réservé du contenu 2"/>
+          <p:cNvSpPr>
+            <a:spLocks noGrp="1"/>
+          </p:cNvSpPr>
+          <p:nvPr>
+            <p:ph idx="1"/>
+          </p:nvPr>
+        </p:nvSpPr>
+        <p:spPr/>
+        <p:txBody>
+          <a:bodyPr>
+            <a:normAutofit fontScale="47500" lnSpcReduction="20000"/>
+          </a:bodyPr>
+          <a:lstStyle/>
+          <a:p>
+            <a:r>
+              <a:rPr lang="en-US" dirty="0" smtClean="0"/>
+              <a:t>Pour </a:t>
+            </a:r>
+            <a:r>
+              <a:rPr lang="en-US" dirty="0" err="1" smtClean="0"/>
+              <a:t>quelle</a:t>
+            </a:r>
+            <a:r>
+              <a:rPr lang="en-US" dirty="0" smtClean="0"/>
+              <a:t> </a:t>
+            </a:r>
+            <a:r>
+              <a:rPr lang="en-US" dirty="0" err="1" smtClean="0"/>
+              <a:t>plateforme</a:t>
+            </a:r>
+            <a:r>
+              <a:rPr lang="en-US" dirty="0" smtClean="0"/>
+              <a:t> </a:t>
+            </a:r>
+            <a:r>
+              <a:rPr lang="en-US" dirty="0"/>
+              <a:t>d</a:t>
+            </a:r>
+            <a:r>
+              <a:rPr lang="en-US" dirty="0" smtClean="0"/>
+              <a:t>e </a:t>
+            </a:r>
+            <a:r>
+              <a:rPr lang="en-US" dirty="0" err="1" smtClean="0"/>
+              <a:t>messagerie</a:t>
+            </a:r>
+            <a:r>
+              <a:rPr lang="en-US" dirty="0" smtClean="0"/>
+              <a:t> </a:t>
+            </a:r>
+            <a:r>
+              <a:rPr lang="en-US" dirty="0" err="1" smtClean="0"/>
+              <a:t>construisez-vous</a:t>
+            </a:r>
+            <a:r>
+              <a:rPr lang="en-US" dirty="0" smtClean="0"/>
+              <a:t> </a:t>
+            </a:r>
+            <a:r>
+              <a:rPr lang="en-US" dirty="0" err="1" smtClean="0"/>
+              <a:t>votre</a:t>
+            </a:r>
+            <a:r>
+              <a:rPr lang="en-US" dirty="0" smtClean="0"/>
+              <a:t> </a:t>
+            </a:r>
+            <a:r>
+              <a:rPr lang="en-US" dirty="0" err="1" smtClean="0"/>
+              <a:t>chatbot</a:t>
+            </a:r>
+            <a:r>
+              <a:rPr lang="en-US" dirty="0" smtClean="0"/>
+              <a:t> ?</a:t>
+            </a:r>
+          </a:p>
+          <a:p>
+            <a:r>
+              <a:rPr lang="en-US" dirty="0" smtClean="0"/>
+              <a:t>En </a:t>
+            </a:r>
+            <a:r>
+              <a:rPr lang="en-US" dirty="0" err="1" smtClean="0"/>
+              <a:t>quelle</a:t>
+            </a:r>
+            <a:r>
+              <a:rPr lang="en-US" dirty="0" smtClean="0"/>
+              <a:t> langue sera </a:t>
+            </a:r>
+            <a:r>
+              <a:rPr lang="en-US" dirty="0" err="1" smtClean="0"/>
+              <a:t>votre</a:t>
+            </a:r>
+            <a:r>
+              <a:rPr lang="en-US" dirty="0" smtClean="0"/>
+              <a:t> </a:t>
+            </a:r>
+            <a:r>
+              <a:rPr lang="en-US" dirty="0" err="1" smtClean="0"/>
+              <a:t>chatbot</a:t>
+            </a:r>
+            <a:r>
+              <a:rPr lang="en-US" dirty="0" smtClean="0"/>
+              <a:t> ? (</a:t>
+            </a:r>
+            <a:r>
+              <a:rPr lang="en-US" dirty="0" err="1" smtClean="0"/>
+              <a:t>pensez</a:t>
+            </a:r>
+            <a:r>
+              <a:rPr lang="en-US" dirty="0" smtClean="0"/>
+              <a:t> au </a:t>
+            </a:r>
+            <a:r>
+              <a:rPr lang="en-US" dirty="0" err="1" smtClean="0"/>
+              <a:t>marché</a:t>
+            </a:r>
+            <a:r>
+              <a:rPr lang="en-US" dirty="0" smtClean="0"/>
+              <a:t> </a:t>
+            </a:r>
+            <a:r>
+              <a:rPr lang="en-US" dirty="0" err="1" smtClean="0"/>
+              <a:t>cible</a:t>
+            </a:r>
+            <a:r>
+              <a:rPr lang="en-US" dirty="0" smtClean="0"/>
+              <a:t>)</a:t>
+            </a:r>
+            <a:endParaRPr lang="en-US" dirty="0"/>
+          </a:p>
+          <a:p>
+            <a:r>
+              <a:rPr lang="en-US" dirty="0" err="1" smtClean="0"/>
+              <a:t>Avez-vous</a:t>
+            </a:r>
+            <a:r>
+              <a:rPr lang="en-US" dirty="0" smtClean="0"/>
+              <a:t> </a:t>
+            </a:r>
+            <a:r>
+              <a:rPr lang="en-US" dirty="0" err="1" smtClean="0"/>
+              <a:t>besoin</a:t>
+            </a:r>
+            <a:r>
+              <a:rPr lang="en-US" dirty="0" smtClean="0"/>
+              <a:t> de </a:t>
+            </a:r>
+            <a:r>
+              <a:rPr lang="en-US" dirty="0" err="1" smtClean="0"/>
+              <a:t>bouton</a:t>
+            </a:r>
+            <a:r>
+              <a:rPr lang="en-US" dirty="0" smtClean="0"/>
+              <a:t> ? (je </a:t>
+            </a:r>
+            <a:r>
+              <a:rPr lang="en-US" dirty="0" err="1" smtClean="0"/>
+              <a:t>dirai</a:t>
+            </a:r>
+            <a:r>
+              <a:rPr lang="en-US" dirty="0" smtClean="0"/>
+              <a:t> </a:t>
+            </a:r>
+            <a:r>
+              <a:rPr lang="en-US" dirty="0" err="1" smtClean="0"/>
+              <a:t>peut</a:t>
+            </a:r>
+            <a:r>
+              <a:rPr lang="en-US" dirty="0" smtClean="0"/>
+              <a:t> </a:t>
+            </a:r>
+            <a:r>
+              <a:rPr lang="en-US" dirty="0" err="1" smtClean="0"/>
+              <a:t>être</a:t>
+            </a:r>
+            <a:r>
+              <a:rPr lang="en-US" dirty="0" smtClean="0"/>
+              <a:t> OUI)</a:t>
+            </a:r>
+          </a:p>
+          <a:p>
+            <a:r>
+              <a:rPr lang="en-US" dirty="0" err="1" smtClean="0">
+                <a:hlinkClick r:id="rId2"/>
+              </a:rPr>
+              <a:t>Avez-vous</a:t>
+            </a:r>
+            <a:r>
+              <a:rPr lang="en-US" dirty="0" smtClean="0">
+                <a:hlinkClick r:id="rId2"/>
+              </a:rPr>
+              <a:t> </a:t>
+            </a:r>
+            <a:r>
+              <a:rPr lang="en-US" dirty="0" err="1" smtClean="0">
+                <a:hlinkClick r:id="rId2"/>
+              </a:rPr>
+              <a:t>besoin</a:t>
+            </a:r>
+            <a:r>
+              <a:rPr lang="en-US" dirty="0" smtClean="0">
+                <a:hlinkClick r:id="rId2"/>
+              </a:rPr>
+              <a:t> </a:t>
+            </a:r>
+            <a:r>
+              <a:rPr lang="en-US" dirty="0" err="1" smtClean="0">
+                <a:hlinkClick r:id="rId2"/>
+              </a:rPr>
+              <a:t>que</a:t>
+            </a:r>
+            <a:r>
+              <a:rPr lang="en-US" dirty="0" smtClean="0">
+                <a:hlinkClick r:id="rId2"/>
+              </a:rPr>
+              <a:t> </a:t>
+            </a:r>
+            <a:r>
+              <a:rPr lang="en-US" dirty="0" err="1" smtClean="0">
+                <a:hlinkClick r:id="rId2"/>
+              </a:rPr>
+              <a:t>votre</a:t>
+            </a:r>
+            <a:r>
+              <a:rPr lang="en-US" dirty="0" smtClean="0">
+                <a:hlinkClick r:id="rId2"/>
+              </a:rPr>
+              <a:t> </a:t>
+            </a:r>
+            <a:r>
+              <a:rPr lang="en-US" dirty="0" err="1" smtClean="0">
+                <a:hlinkClick r:id="rId2"/>
+              </a:rPr>
+              <a:t>chatbot</a:t>
+            </a:r>
+            <a:r>
+              <a:rPr lang="en-US" dirty="0" smtClean="0">
+                <a:hlinkClick r:id="rId2"/>
+              </a:rPr>
+              <a:t> </a:t>
+            </a:r>
+            <a:r>
+              <a:rPr lang="en-US" dirty="0" err="1" smtClean="0">
+                <a:hlinkClick r:id="rId2"/>
+              </a:rPr>
+              <a:t>comprenne</a:t>
+            </a:r>
+            <a:r>
+              <a:rPr lang="en-US" dirty="0" smtClean="0">
+                <a:hlinkClick r:id="rId2"/>
+              </a:rPr>
+              <a:t> </a:t>
+            </a:r>
+            <a:r>
+              <a:rPr lang="en-US" dirty="0" err="1" smtClean="0">
+                <a:hlinkClick r:id="rId2"/>
+              </a:rPr>
+              <a:t>vraiment</a:t>
+            </a:r>
+            <a:r>
+              <a:rPr lang="en-US" dirty="0" smtClean="0">
+                <a:hlinkClick r:id="rId2"/>
+              </a:rPr>
+              <a:t> le </a:t>
+            </a:r>
+            <a:r>
+              <a:rPr lang="en-US" dirty="0" err="1" smtClean="0">
+                <a:hlinkClick r:id="rId2"/>
+              </a:rPr>
+              <a:t>langage</a:t>
+            </a:r>
+            <a:r>
+              <a:rPr lang="en-US" dirty="0" smtClean="0">
+                <a:hlinkClick r:id="rId2"/>
+              </a:rPr>
+              <a:t> de </a:t>
+            </a:r>
+            <a:r>
+              <a:rPr lang="en-US" dirty="0" err="1" smtClean="0">
+                <a:hlinkClick r:id="rId2"/>
+              </a:rPr>
+              <a:t>l’utilisateur</a:t>
+            </a:r>
+            <a:r>
+              <a:rPr lang="en-US" dirty="0" smtClean="0">
+                <a:hlinkClick r:id="rId2"/>
+              </a:rPr>
+              <a:t> ? (NLP algorithms)</a:t>
+            </a:r>
+          </a:p>
+          <a:p>
+            <a:r>
+              <a:rPr lang="en-US" dirty="0" err="1" smtClean="0"/>
+              <a:t>Pouvez-vous</a:t>
+            </a:r>
+            <a:r>
+              <a:rPr lang="en-US" dirty="0" smtClean="0"/>
+              <a:t> payer des services </a:t>
+            </a:r>
+            <a:r>
+              <a:rPr lang="en-US" dirty="0" err="1" smtClean="0"/>
+              <a:t>améliorant</a:t>
+            </a:r>
+            <a:r>
+              <a:rPr lang="en-US" dirty="0" smtClean="0"/>
+              <a:t> </a:t>
+            </a:r>
+            <a:r>
+              <a:rPr lang="en-US" dirty="0" err="1" smtClean="0"/>
+              <a:t>votre</a:t>
+            </a:r>
+            <a:r>
+              <a:rPr lang="en-US" dirty="0" smtClean="0"/>
+              <a:t> </a:t>
+            </a:r>
+            <a:r>
+              <a:rPr lang="en-US" dirty="0" err="1" smtClean="0"/>
+              <a:t>chatbot</a:t>
+            </a:r>
+            <a:r>
+              <a:rPr lang="en-US" dirty="0" smtClean="0"/>
+              <a:t> ?</a:t>
+            </a:r>
+          </a:p>
+          <a:p>
+            <a:r>
+              <a:rPr lang="en-US" dirty="0" err="1" smtClean="0">
+                <a:hlinkClick r:id="rId3"/>
+              </a:rPr>
+              <a:t>Combien</a:t>
+            </a:r>
+            <a:r>
+              <a:rPr lang="en-US" dirty="0" smtClean="0">
+                <a:hlinkClick r:id="rId3"/>
+              </a:rPr>
+              <a:t> de temps et de </a:t>
+            </a:r>
+            <a:r>
+              <a:rPr lang="en-US" dirty="0" err="1" smtClean="0">
+                <a:hlinkClick r:id="rId3"/>
+              </a:rPr>
+              <a:t>personnes</a:t>
+            </a:r>
+            <a:r>
+              <a:rPr lang="en-US" dirty="0" smtClean="0">
+                <a:hlinkClick r:id="rId3"/>
+              </a:rPr>
+              <a:t> </a:t>
+            </a:r>
+            <a:r>
+              <a:rPr lang="en-US" dirty="0" err="1" smtClean="0">
+                <a:hlinkClick r:id="rId3"/>
+              </a:rPr>
+              <a:t>disposez-vous</a:t>
+            </a:r>
+            <a:r>
+              <a:rPr lang="en-US" dirty="0" smtClean="0">
+                <a:hlinkClick r:id="rId3"/>
+              </a:rPr>
+              <a:t> pour </a:t>
+            </a:r>
+            <a:r>
+              <a:rPr lang="en-US" dirty="0" err="1" smtClean="0">
+                <a:hlinkClick r:id="rId3"/>
+              </a:rPr>
+              <a:t>mettre</a:t>
+            </a:r>
+            <a:r>
+              <a:rPr lang="en-US" dirty="0" smtClean="0">
+                <a:hlinkClick r:id="rId3"/>
+              </a:rPr>
+              <a:t> en place le </a:t>
+            </a:r>
+            <a:r>
+              <a:rPr lang="en-US" dirty="0" err="1" smtClean="0">
+                <a:hlinkClick r:id="rId3"/>
+              </a:rPr>
+              <a:t>chatbot</a:t>
+            </a:r>
+            <a:r>
+              <a:rPr lang="en-US" dirty="0" smtClean="0">
+                <a:hlinkClick r:id="rId3"/>
+              </a:rPr>
+              <a:t> ?</a:t>
+            </a:r>
+          </a:p>
+          <a:p>
+            <a:r>
+              <a:rPr lang="en-US" dirty="0" err="1" smtClean="0"/>
+              <a:t>Voulez-vous</a:t>
+            </a:r>
+            <a:r>
+              <a:rPr lang="en-US" dirty="0" smtClean="0"/>
+              <a:t> exporter </a:t>
+            </a:r>
+            <a:r>
+              <a:rPr lang="en-US" dirty="0" err="1" smtClean="0"/>
+              <a:t>vos</a:t>
+            </a:r>
+            <a:r>
+              <a:rPr lang="en-US" dirty="0" smtClean="0"/>
+              <a:t> </a:t>
+            </a:r>
+            <a:r>
+              <a:rPr lang="en-US" dirty="0" err="1" smtClean="0"/>
+              <a:t>données</a:t>
+            </a:r>
+            <a:r>
+              <a:rPr lang="en-US" dirty="0" smtClean="0"/>
+              <a:t> et/</a:t>
+            </a:r>
+            <a:r>
+              <a:rPr lang="en-US" dirty="0" err="1" smtClean="0"/>
+              <a:t>ou</a:t>
+            </a:r>
+            <a:r>
+              <a:rPr lang="en-US" dirty="0" smtClean="0"/>
+              <a:t> </a:t>
+            </a:r>
+            <a:r>
+              <a:rPr lang="en-US" dirty="0" err="1" smtClean="0"/>
+              <a:t>votre</a:t>
+            </a:r>
+            <a:r>
+              <a:rPr lang="en-US" dirty="0" smtClean="0"/>
+              <a:t> </a:t>
+            </a:r>
+            <a:r>
+              <a:rPr lang="en-US" dirty="0" err="1" smtClean="0"/>
+              <a:t>chatbot</a:t>
+            </a:r>
+            <a:r>
+              <a:rPr lang="en-US" dirty="0" smtClean="0"/>
+              <a:t> ? (</a:t>
+            </a:r>
+            <a:r>
+              <a:rPr lang="en-US" dirty="0" err="1" smtClean="0"/>
+              <a:t>probablement</a:t>
+            </a:r>
+            <a:r>
+              <a:rPr lang="en-US" dirty="0" smtClean="0"/>
+              <a:t> </a:t>
+            </a:r>
+            <a:r>
+              <a:rPr lang="en-US" dirty="0" err="1" smtClean="0"/>
+              <a:t>Oui</a:t>
+            </a:r>
+            <a:r>
+              <a:rPr lang="en-US" dirty="0" smtClean="0"/>
+              <a:t>)</a:t>
+            </a:r>
+          </a:p>
+          <a:p>
+            <a:r>
+              <a:rPr lang="en-US" dirty="0" err="1" smtClean="0"/>
+              <a:t>Avez-vous</a:t>
+            </a:r>
+            <a:r>
+              <a:rPr lang="en-US" dirty="0" smtClean="0"/>
+              <a:t> </a:t>
+            </a:r>
+            <a:r>
+              <a:rPr lang="en-US" dirty="0" err="1" smtClean="0"/>
+              <a:t>besoin</a:t>
+            </a:r>
+            <a:r>
+              <a:rPr lang="en-US" dirty="0" smtClean="0"/>
+              <a:t> de faire de </a:t>
+            </a:r>
+            <a:r>
+              <a:rPr lang="en-US" dirty="0" err="1" smtClean="0"/>
+              <a:t>l’analytics</a:t>
+            </a:r>
+            <a:r>
+              <a:rPr lang="en-US" dirty="0" smtClean="0"/>
+              <a:t> </a:t>
+            </a:r>
+            <a:r>
+              <a:rPr lang="en-US" dirty="0" err="1" smtClean="0"/>
+              <a:t>sur</a:t>
+            </a:r>
+            <a:r>
+              <a:rPr lang="en-US" dirty="0" smtClean="0"/>
+              <a:t> </a:t>
+            </a:r>
+            <a:r>
+              <a:rPr lang="en-US" dirty="0" err="1" smtClean="0"/>
+              <a:t>votre</a:t>
+            </a:r>
+            <a:r>
+              <a:rPr lang="en-US" dirty="0" smtClean="0"/>
+              <a:t> </a:t>
+            </a:r>
+            <a:r>
+              <a:rPr lang="en-US" dirty="0" err="1" smtClean="0"/>
+              <a:t>chatbot</a:t>
+            </a:r>
+            <a:r>
+              <a:rPr lang="en-US" dirty="0" smtClean="0"/>
+              <a:t> ?</a:t>
+            </a:r>
+          </a:p>
+          <a:p>
+            <a:r>
+              <a:rPr lang="en-US" dirty="0" err="1" smtClean="0"/>
+              <a:t>Voulez-vous</a:t>
+            </a:r>
+            <a:r>
+              <a:rPr lang="en-US" dirty="0" smtClean="0"/>
+              <a:t> connecter </a:t>
+            </a:r>
+            <a:r>
+              <a:rPr lang="en-US" dirty="0" err="1" smtClean="0"/>
+              <a:t>votre</a:t>
+            </a:r>
+            <a:r>
+              <a:rPr lang="en-US" dirty="0" smtClean="0"/>
+              <a:t> </a:t>
+            </a:r>
+            <a:r>
+              <a:rPr lang="en-US" dirty="0" err="1" smtClean="0"/>
+              <a:t>chatbot</a:t>
+            </a:r>
+            <a:r>
+              <a:rPr lang="en-US" dirty="0" smtClean="0"/>
+              <a:t> avec un service déjà </a:t>
+            </a:r>
+            <a:r>
+              <a:rPr lang="en-US" dirty="0" err="1" smtClean="0"/>
+              <a:t>existant</a:t>
+            </a:r>
+            <a:r>
+              <a:rPr lang="en-US" dirty="0" smtClean="0"/>
+              <a:t> </a:t>
+            </a:r>
+            <a:r>
+              <a:rPr lang="en-US" dirty="0" err="1" smtClean="0"/>
+              <a:t>sur</a:t>
+            </a:r>
+            <a:r>
+              <a:rPr lang="en-US" dirty="0" smtClean="0"/>
+              <a:t> un site web ? (</a:t>
+            </a:r>
+            <a:r>
+              <a:rPr lang="en-US" dirty="0" err="1" smtClean="0"/>
+              <a:t>c’est</a:t>
+            </a:r>
+            <a:r>
+              <a:rPr lang="en-US" dirty="0" smtClean="0"/>
+              <a:t> </a:t>
+            </a:r>
+            <a:r>
+              <a:rPr lang="en-US" dirty="0" err="1" smtClean="0"/>
+              <a:t>une</a:t>
+            </a:r>
+            <a:r>
+              <a:rPr lang="en-US" dirty="0" smtClean="0"/>
+              <a:t> </a:t>
+            </a:r>
+            <a:r>
+              <a:rPr lang="en-US" dirty="0" err="1" smtClean="0"/>
+              <a:t>tache</a:t>
+            </a:r>
+            <a:r>
+              <a:rPr lang="en-US" dirty="0" smtClean="0"/>
+              <a:t> </a:t>
+            </a:r>
+            <a:r>
+              <a:rPr lang="en-US" dirty="0" err="1" smtClean="0"/>
+              <a:t>assez</a:t>
+            </a:r>
+            <a:r>
+              <a:rPr lang="en-US" dirty="0" smtClean="0"/>
+              <a:t> </a:t>
+            </a:r>
+            <a:r>
+              <a:rPr lang="en-US" dirty="0" err="1" smtClean="0"/>
+              <a:t>difficile</a:t>
+            </a:r>
+            <a:r>
+              <a:rPr lang="en-US" dirty="0" smtClean="0"/>
+              <a:t>)</a:t>
+            </a:r>
+          </a:p>
+          <a:p>
+            <a:r>
+              <a:rPr lang="en-US" dirty="0" err="1" smtClean="0"/>
+              <a:t>Combien</a:t>
+            </a:r>
+            <a:r>
+              <a:rPr lang="en-US" dirty="0" smtClean="0"/>
+              <a:t> de </a:t>
+            </a:r>
+            <a:r>
+              <a:rPr lang="en-US" dirty="0" err="1" smtClean="0"/>
+              <a:t>personnes</a:t>
+            </a:r>
+            <a:r>
+              <a:rPr lang="en-US" dirty="0" smtClean="0"/>
+              <a:t> et </a:t>
+            </a:r>
+            <a:r>
+              <a:rPr lang="en-US" dirty="0" err="1" smtClean="0"/>
+              <a:t>d’interraction</a:t>
+            </a:r>
+            <a:r>
+              <a:rPr lang="en-US" dirty="0" smtClean="0"/>
+              <a:t> </a:t>
+            </a:r>
+            <a:r>
+              <a:rPr lang="en-US" dirty="0" err="1" smtClean="0"/>
+              <a:t>votre</a:t>
+            </a:r>
+            <a:r>
+              <a:rPr lang="en-US" dirty="0" smtClean="0"/>
+              <a:t> </a:t>
+            </a:r>
+            <a:r>
+              <a:rPr lang="en-US" dirty="0" err="1" smtClean="0"/>
+              <a:t>chatbot</a:t>
+            </a:r>
+            <a:r>
+              <a:rPr lang="en-US" dirty="0" smtClean="0"/>
+              <a:t> aura-t-</a:t>
+            </a:r>
+            <a:r>
+              <a:rPr lang="en-US" dirty="0" err="1" smtClean="0"/>
+              <a:t>il</a:t>
+            </a:r>
+            <a:r>
+              <a:rPr lang="en-US" dirty="0" smtClean="0"/>
+              <a:t> à </a:t>
+            </a:r>
+            <a:r>
+              <a:rPr lang="en-US" dirty="0" err="1" smtClean="0"/>
+              <a:t>traiter</a:t>
+            </a:r>
+            <a:r>
+              <a:rPr lang="en-US" dirty="0" smtClean="0"/>
+              <a:t> ? </a:t>
+            </a:r>
+            <a:r>
+              <a:rPr lang="en-US" dirty="0" err="1" smtClean="0"/>
+              <a:t>Quel</a:t>
+            </a:r>
+            <a:r>
+              <a:rPr lang="en-US" dirty="0" smtClean="0"/>
+              <a:t> flux de </a:t>
+            </a:r>
+            <a:r>
+              <a:rPr lang="en-US" dirty="0" err="1" smtClean="0"/>
+              <a:t>données</a:t>
+            </a:r>
+            <a:r>
+              <a:rPr lang="en-US" dirty="0" smtClean="0"/>
+              <a:t> </a:t>
+            </a:r>
+            <a:r>
+              <a:rPr lang="en-US" dirty="0" err="1" smtClean="0"/>
+              <a:t>prévoyez</a:t>
+            </a:r>
+            <a:r>
+              <a:rPr lang="en-US" dirty="0" smtClean="0"/>
+              <a:t> </a:t>
+            </a:r>
+            <a:r>
+              <a:rPr lang="en-US" dirty="0" err="1" smtClean="0"/>
+              <a:t>vous</a:t>
+            </a:r>
+            <a:r>
+              <a:rPr lang="en-US" dirty="0" smtClean="0"/>
+              <a:t> pour le </a:t>
+            </a:r>
+            <a:r>
+              <a:rPr lang="en-US" dirty="0" err="1" smtClean="0"/>
+              <a:t>chatbot</a:t>
+            </a:r>
+            <a:r>
+              <a:rPr lang="en-US" dirty="0" smtClean="0"/>
+              <a:t> pour </a:t>
+            </a:r>
+            <a:r>
+              <a:rPr lang="en-US" dirty="0" err="1" smtClean="0"/>
+              <a:t>choisir</a:t>
+            </a:r>
+            <a:r>
+              <a:rPr lang="en-US" dirty="0" smtClean="0"/>
+              <a:t> </a:t>
+            </a:r>
+            <a:r>
+              <a:rPr lang="en-US" dirty="0" err="1" smtClean="0"/>
+              <a:t>votre</a:t>
+            </a:r>
+            <a:r>
+              <a:rPr lang="en-US" dirty="0" smtClean="0"/>
+              <a:t> </a:t>
+            </a:r>
+            <a:r>
+              <a:rPr lang="en-US" dirty="0" err="1" smtClean="0"/>
+              <a:t>serveur</a:t>
+            </a:r>
+            <a:endParaRPr lang="en-US" dirty="0"/>
+          </a:p>
+          <a:p>
+            <a:r>
+              <a:rPr lang="en-US" dirty="0" err="1" smtClean="0">
+                <a:hlinkClick r:id="rId4"/>
+              </a:rPr>
+              <a:t>Quelle</a:t>
+            </a:r>
+            <a:r>
+              <a:rPr lang="en-US" dirty="0" smtClean="0">
+                <a:hlinkClick r:id="rId4"/>
+              </a:rPr>
+              <a:t> </a:t>
+            </a:r>
+            <a:r>
+              <a:rPr lang="en-US" dirty="0" err="1" smtClean="0">
+                <a:hlinkClick r:id="rId4"/>
+              </a:rPr>
+              <a:t>est</a:t>
+            </a:r>
+            <a:r>
+              <a:rPr lang="en-US" dirty="0" smtClean="0">
+                <a:hlinkClick r:id="rId4"/>
+              </a:rPr>
+              <a:t> la </a:t>
+            </a:r>
+            <a:r>
+              <a:rPr lang="en-US" dirty="0" err="1" smtClean="0">
+                <a:hlinkClick r:id="rId4"/>
+              </a:rPr>
+              <a:t>taille</a:t>
+            </a:r>
+            <a:r>
+              <a:rPr lang="en-US" dirty="0" smtClean="0">
+                <a:hlinkClick r:id="rId4"/>
+              </a:rPr>
+              <a:t> de </a:t>
+            </a:r>
+            <a:r>
+              <a:rPr lang="en-US" dirty="0" err="1" smtClean="0">
+                <a:hlinkClick r:id="rId4"/>
+              </a:rPr>
+              <a:t>votre</a:t>
+            </a:r>
+            <a:r>
+              <a:rPr lang="en-US" dirty="0" smtClean="0">
+                <a:hlinkClick r:id="rId4"/>
+              </a:rPr>
+              <a:t> </a:t>
+            </a:r>
+            <a:r>
+              <a:rPr lang="en-US" dirty="0" err="1" smtClean="0">
+                <a:hlinkClick r:id="rId4"/>
+              </a:rPr>
+              <a:t>chatbot</a:t>
+            </a:r>
+            <a:r>
+              <a:rPr lang="en-US" dirty="0" smtClean="0">
+                <a:hlinkClick r:id="rId4"/>
+              </a:rPr>
+              <a:t> ? (</a:t>
+            </a:r>
+            <a:r>
+              <a:rPr lang="en-US" dirty="0" err="1" smtClean="0">
+                <a:hlinkClick r:id="rId4"/>
+              </a:rPr>
+              <a:t>une</a:t>
+            </a:r>
+            <a:r>
+              <a:rPr lang="en-US" dirty="0" smtClean="0">
+                <a:hlinkClick r:id="rId4"/>
+              </a:rPr>
+              <a:t> </a:t>
+            </a:r>
+            <a:r>
+              <a:rPr lang="en-US" dirty="0" err="1" smtClean="0">
+                <a:hlinkClick r:id="rId4"/>
+              </a:rPr>
+              <a:t>tache</a:t>
+            </a:r>
+            <a:r>
+              <a:rPr lang="en-US" dirty="0" smtClean="0">
+                <a:hlinkClick r:id="rId4"/>
+              </a:rPr>
+              <a:t> </a:t>
+            </a:r>
+            <a:r>
+              <a:rPr lang="en-US" dirty="0" err="1" smtClean="0">
+                <a:hlinkClick r:id="rId4"/>
+              </a:rPr>
+              <a:t>assez</a:t>
+            </a:r>
+            <a:r>
+              <a:rPr lang="en-US" dirty="0" smtClean="0">
+                <a:hlinkClick r:id="rId4"/>
+              </a:rPr>
+              <a:t> </a:t>
+            </a:r>
+            <a:r>
+              <a:rPr lang="en-US" dirty="0" err="1" smtClean="0">
+                <a:hlinkClick r:id="rId4"/>
+              </a:rPr>
+              <a:t>difficile</a:t>
+            </a:r>
+            <a:r>
+              <a:rPr lang="en-US" dirty="0" smtClean="0">
+                <a:hlinkClick r:id="rId4"/>
+              </a:rPr>
+              <a:t>)</a:t>
+            </a:r>
+          </a:p>
+          <a:p>
+            <a:endParaRPr lang="en-US" i="1" dirty="0" smtClean="0"/>
+          </a:p>
+          <a:p>
+            <a:pPr marL="0" indent="0">
+              <a:buNone/>
+            </a:pPr>
+            <a:r>
+              <a:rPr lang="en-US" i="1" dirty="0" smtClean="0"/>
+              <a:t>And </a:t>
+            </a:r>
+            <a:r>
+              <a:rPr lang="en-US" i="1" dirty="0"/>
+              <a:t>second </a:t>
+            </a:r>
+            <a:r>
+              <a:rPr lang="en-US" dirty="0"/>
+              <a:t>— as any self-respecting </a:t>
+            </a:r>
+            <a:r>
+              <a:rPr lang="en-US" dirty="0" err="1"/>
+              <a:t>chatbot</a:t>
+            </a:r>
+            <a:r>
+              <a:rPr lang="en-US" dirty="0"/>
+              <a:t> developer would do, I’ve been exploring the platforms and their limitations. Hope this comparison between two of them helps in making a more informed choice. Do correct me if I’m wrong or have missed on something important.</a:t>
+            </a:r>
+          </a:p>
+          <a:p>
+            <a:endParaRPr lang="fr-FR" dirty="0"/>
+          </a:p>
+        </p:txBody>
+      </p:sp>
+    </p:spTree>
+    <p:extLst>
+      <p:ext uri="{BB962C8B-B14F-4D97-AF65-F5344CB8AC3E}">
+        <p14:creationId xmlns:p14="http://schemas.microsoft.com/office/powerpoint/2010/main" val="2417254935"/>
+      </p:ext>
+    </p:extLst>
+  </p:cSld>
+  <p:clrMapOvr>
+    <a:masterClrMapping/>
+  </p:clrMapOvr>
+</p:sld>
+</file>
+
+<file path=ppt/slides/slide3.xml><?xml version="1.0" encoding="utf-8"?>
+<p:sld xmlns:a="http://schemas.openxmlformats.org/drawingml/2006/main" xmlns:r="http://schemas.openxmlformats.org/officeDocument/2006/relationships" xmlns:p="http://schemas.openxmlformats.org/presentationml/2006/main">
+  <p:cSld>
+    <p:spTree>
+      <p:nvGrpSpPr>
+        <p:cNvPr id="1" name=""/>
+        <p:cNvGrpSpPr/>
+        <p:nvPr/>
+      </p:nvGrpSpPr>
+      <p:grpSpPr>
+        <a:xfrm>
+          <a:off x="0" y="0"/>
+          <a:ext cx="0" cy="0"/>
+          <a:chOff x="0" y="0"/>
+          <a:chExt cx="0" cy="0"/>
+        </a:xfrm>
+      </p:grpSpPr>
+      <p:sp>
+        <p:nvSpPr>
+          <p:cNvPr id="2" name="Titre 1"/>
+          <p:cNvSpPr>
+            <a:spLocks noGrp="1"/>
+          </p:cNvSpPr>
+          <p:nvPr>
+            <p:ph type="title"/>
+          </p:nvPr>
+        </p:nvSpPr>
+        <p:spPr/>
+        <p:txBody>
           <a:bodyPr/>
           <a:lstStyle/>
           <a:p>
@@ -3582,90 +4497,6 @@
 </p:sld>
 </file>
 
-<file path=ppt/slides/slide3.xml><?xml version="1.0" encoding="utf-8"?>
-<p:sld xmlns:a="http://schemas.openxmlformats.org/drawingml/2006/main" xmlns:r="http://schemas.openxmlformats.org/officeDocument/2006/relationships" xmlns:p="http://schemas.openxmlformats.org/presentationml/2006/main">
-  <p:cSld>
-    <p:spTree>
-      <p:nvGrpSpPr>
-        <p:cNvPr id="1" name=""/>
-        <p:cNvGrpSpPr/>
-        <p:nvPr/>
-      </p:nvGrpSpPr>
-      <p:grpSpPr>
-        <a:xfrm>
-          <a:off x="0" y="0"/>
-          <a:ext cx="0" cy="0"/>
-          <a:chOff x="0" y="0"/>
-          <a:chExt cx="0" cy="0"/>
-        </a:xfrm>
-      </p:grpSpPr>
-      <p:sp>
-        <p:nvSpPr>
-          <p:cNvPr id="2" name="Titre 1"/>
-          <p:cNvSpPr>
-            <a:spLocks noGrp="1"/>
-          </p:cNvSpPr>
-          <p:nvPr>
-            <p:ph type="title"/>
-          </p:nvPr>
-        </p:nvSpPr>
-        <p:spPr/>
-        <p:txBody>
-          <a:bodyPr/>
-          <a:lstStyle/>
-          <a:p>
-            <a:r>
-              <a:rPr lang="fr-FR" dirty="0" smtClean="0"/>
-              <a:t>Use cases industriels</a:t>
-            </a:r>
-            <a:endParaRPr lang="fr-FR" dirty="0"/>
-          </a:p>
-        </p:txBody>
-      </p:sp>
-      <p:sp>
-        <p:nvSpPr>
-          <p:cNvPr id="3" name="Espace réservé du contenu 2"/>
-          <p:cNvSpPr>
-            <a:spLocks noGrp="1"/>
-          </p:cNvSpPr>
-          <p:nvPr>
-            <p:ph idx="1"/>
-          </p:nvPr>
-        </p:nvSpPr>
-        <p:spPr/>
-        <p:txBody>
-          <a:bodyPr/>
-          <a:lstStyle/>
-          <a:p>
-            <a:r>
-              <a:rPr lang="fr-FR" dirty="0" smtClean="0"/>
-              <a:t>Relation client</a:t>
-            </a:r>
-          </a:p>
-          <a:p>
-            <a:r>
-              <a:rPr lang="fr-FR" dirty="0" smtClean="0"/>
-              <a:t>Vente</a:t>
-            </a:r>
-          </a:p>
-          <a:p>
-            <a:endParaRPr lang="fr-FR" dirty="0" smtClean="0"/>
-          </a:p>
-        </p:txBody>
-      </p:sp>
-    </p:spTree>
-    <p:extLst>
-      <p:ext uri="{BB962C8B-B14F-4D97-AF65-F5344CB8AC3E}">
-        <p14:creationId xmlns:p14="http://schemas.microsoft.com/office/powerpoint/2010/main" val="2850916402"/>
-      </p:ext>
-    </p:extLst>
-  </p:cSld>
-  <p:clrMapOvr>
-    <a:masterClrMapping/>
-  </p:clrMapOvr>
-</p:sld>
-</file>
-
 <file path=ppt/slides/slide4.xml><?xml version="1.0" encoding="utf-8"?>
 <p:sld xmlns:a="http://schemas.openxmlformats.org/drawingml/2006/main" xmlns:r="http://schemas.openxmlformats.org/officeDocument/2006/relationships" xmlns:p="http://schemas.openxmlformats.org/presentationml/2006/main">
   <p:cSld>
@@ -3699,6 +4530,216 @@
           <a:lstStyle/>
           <a:p>
             <a:r>
+              <a:rPr lang="fr-FR" dirty="0" err="1" smtClean="0"/>
+              <a:t>Chatbots</a:t>
+            </a:r>
+            <a:r>
+              <a:rPr lang="fr-FR" dirty="0" smtClean="0"/>
+              <a:t> Gratuits</a:t>
+            </a:r>
+            <a:endParaRPr lang="fr-FR" dirty="0"/>
+          </a:p>
+        </p:txBody>
+      </p:sp>
+      <p:sp>
+        <p:nvSpPr>
+          <p:cNvPr id="3" name="Espace réservé du contenu 2"/>
+          <p:cNvSpPr>
+            <a:spLocks noGrp="1"/>
+          </p:cNvSpPr>
+          <p:nvPr>
+            <p:ph idx="1"/>
+          </p:nvPr>
+        </p:nvSpPr>
+        <p:spPr/>
+        <p:txBody>
+          <a:bodyPr/>
+          <a:lstStyle/>
+          <a:p>
+            <a:r>
+              <a:rPr lang="fr-FR" dirty="0" err="1" smtClean="0"/>
+              <a:t>ChatterBot</a:t>
+            </a:r>
+            <a:r>
+              <a:rPr lang="fr-FR" dirty="0" smtClean="0"/>
+              <a:t> : avec Python</a:t>
+            </a:r>
+          </a:p>
+          <a:p>
+            <a:r>
+              <a:rPr lang="fr-FR" dirty="0" err="1" smtClean="0"/>
+              <a:t>Chatfuel</a:t>
+            </a:r>
+            <a:r>
+              <a:rPr lang="fr-FR" dirty="0" smtClean="0"/>
+              <a:t> : </a:t>
+            </a:r>
+            <a:r>
+              <a:rPr lang="fr-FR" dirty="0" err="1" smtClean="0"/>
+              <a:t>Chatbot</a:t>
+            </a:r>
+            <a:r>
+              <a:rPr lang="fr-FR" dirty="0" smtClean="0"/>
+              <a:t> pour votre entreprise en 10min : Arbre de décision classique + AI en reconnaissance de mots</a:t>
+            </a:r>
+          </a:p>
+          <a:p>
+            <a:r>
+              <a:rPr lang="fr-FR" dirty="0" smtClean="0"/>
+              <a:t>Flow XO: grand nombre d’intégrations possible (Gmail, </a:t>
+            </a:r>
+            <a:r>
+              <a:rPr lang="fr-FR" dirty="0" err="1" smtClean="0"/>
+              <a:t>Slack</a:t>
+            </a:r>
+            <a:r>
+              <a:rPr lang="fr-FR" dirty="0" smtClean="0"/>
+              <a:t>, </a:t>
+            </a:r>
+            <a:r>
+              <a:rPr lang="fr-FR" dirty="0" err="1" smtClean="0"/>
+              <a:t>LinkedIn</a:t>
+            </a:r>
+            <a:r>
+              <a:rPr lang="fr-FR" dirty="0" smtClean="0"/>
+              <a:t>, …)</a:t>
+            </a:r>
+          </a:p>
+          <a:p>
+            <a:endParaRPr lang="fr-FR" dirty="0"/>
+          </a:p>
+        </p:txBody>
+      </p:sp>
+    </p:spTree>
+    <p:extLst>
+      <p:ext uri="{BB962C8B-B14F-4D97-AF65-F5344CB8AC3E}">
+        <p14:creationId xmlns:p14="http://schemas.microsoft.com/office/powerpoint/2010/main" val="3428712491"/>
+      </p:ext>
+    </p:extLst>
+  </p:cSld>
+  <p:clrMapOvr>
+    <a:masterClrMapping/>
+  </p:clrMapOvr>
+</p:sld>
+</file>
+
+<file path=ppt/slides/slide5.xml><?xml version="1.0" encoding="utf-8"?>
+<p:sld xmlns:a="http://schemas.openxmlformats.org/drawingml/2006/main" xmlns:r="http://schemas.openxmlformats.org/officeDocument/2006/relationships" xmlns:p="http://schemas.openxmlformats.org/presentationml/2006/main">
+  <p:cSld>
+    <p:spTree>
+      <p:nvGrpSpPr>
+        <p:cNvPr id="1" name=""/>
+        <p:cNvGrpSpPr/>
+        <p:nvPr/>
+      </p:nvGrpSpPr>
+      <p:grpSpPr>
+        <a:xfrm>
+          <a:off x="0" y="0"/>
+          <a:ext cx="0" cy="0"/>
+          <a:chOff x="0" y="0"/>
+          <a:chExt cx="0" cy="0"/>
+        </a:xfrm>
+      </p:grpSpPr>
+      <p:sp>
+        <p:nvSpPr>
+          <p:cNvPr id="2" name="Titre 1"/>
+          <p:cNvSpPr>
+            <a:spLocks noGrp="1"/>
+          </p:cNvSpPr>
+          <p:nvPr>
+            <p:ph type="title"/>
+          </p:nvPr>
+        </p:nvSpPr>
+        <p:spPr/>
+        <p:txBody>
+          <a:bodyPr/>
+          <a:lstStyle/>
+          <a:p>
+            <a:r>
+              <a:rPr lang="fr-FR" dirty="0" smtClean="0"/>
+              <a:t>Use cases industriels</a:t>
+            </a:r>
+            <a:endParaRPr lang="fr-FR" dirty="0"/>
+          </a:p>
+        </p:txBody>
+      </p:sp>
+      <p:sp>
+        <p:nvSpPr>
+          <p:cNvPr id="3" name="Espace réservé du contenu 2"/>
+          <p:cNvSpPr>
+            <a:spLocks noGrp="1"/>
+          </p:cNvSpPr>
+          <p:nvPr>
+            <p:ph idx="1"/>
+          </p:nvPr>
+        </p:nvSpPr>
+        <p:spPr/>
+        <p:txBody>
+          <a:bodyPr/>
+          <a:lstStyle/>
+          <a:p>
+            <a:r>
+              <a:rPr lang="fr-FR" dirty="0" smtClean="0"/>
+              <a:t>Relation client</a:t>
+            </a:r>
+          </a:p>
+          <a:p>
+            <a:r>
+              <a:rPr lang="fr-FR" dirty="0" smtClean="0"/>
+              <a:t>Vente</a:t>
+            </a:r>
+          </a:p>
+          <a:p>
+            <a:endParaRPr lang="fr-FR" dirty="0" smtClean="0"/>
+          </a:p>
+        </p:txBody>
+      </p:sp>
+    </p:spTree>
+    <p:extLst>
+      <p:ext uri="{BB962C8B-B14F-4D97-AF65-F5344CB8AC3E}">
+        <p14:creationId xmlns:p14="http://schemas.microsoft.com/office/powerpoint/2010/main" val="2850916402"/>
+      </p:ext>
+    </p:extLst>
+  </p:cSld>
+  <p:clrMapOvr>
+    <a:masterClrMapping/>
+  </p:clrMapOvr>
+</p:sld>
+</file>
+
+<file path=ppt/slides/slide6.xml><?xml version="1.0" encoding="utf-8"?>
+<p:sld xmlns:a="http://schemas.openxmlformats.org/drawingml/2006/main" xmlns:r="http://schemas.openxmlformats.org/officeDocument/2006/relationships" xmlns:p="http://schemas.openxmlformats.org/presentationml/2006/main">
+  <p:cSld>
+    <p:spTree>
+      <p:nvGrpSpPr>
+        <p:cNvPr id="1" name=""/>
+        <p:cNvGrpSpPr/>
+        <p:nvPr/>
+      </p:nvGrpSpPr>
+      <p:grpSpPr>
+        <a:xfrm>
+          <a:off x="0" y="0"/>
+          <a:ext cx="0" cy="0"/>
+          <a:chOff x="0" y="0"/>
+          <a:chExt cx="0" cy="0"/>
+        </a:xfrm>
+      </p:grpSpPr>
+      <p:sp>
+        <p:nvSpPr>
+          <p:cNvPr id="2" name="Titre 1"/>
+          <p:cNvSpPr>
+            <a:spLocks noGrp="1"/>
+          </p:cNvSpPr>
+          <p:nvPr>
+            <p:ph type="title"/>
+          </p:nvPr>
+        </p:nvSpPr>
+        <p:spPr/>
+        <p:txBody>
+          <a:bodyPr/>
+          <a:lstStyle/>
+          <a:p>
+            <a:r>
               <a:rPr lang="fr-FR" dirty="0" smtClean="0"/>
               <a:t>Offre commerciale</a:t>
             </a:r>
@@ -3743,6 +4784,165 @@
     <p:extLst>
       <p:ext uri="{BB962C8B-B14F-4D97-AF65-F5344CB8AC3E}">
         <p14:creationId xmlns:p14="http://schemas.microsoft.com/office/powerpoint/2010/main" val="3508363794"/>
+      </p:ext>
+    </p:extLst>
+  </p:cSld>
+  <p:clrMapOvr>
+    <a:masterClrMapping/>
+  </p:clrMapOvr>
+</p:sld>
+</file>
+
+<file path=ppt/slides/slide7.xml><?xml version="1.0" encoding="utf-8"?>
+<p:sld xmlns:a="http://schemas.openxmlformats.org/drawingml/2006/main" xmlns:r="http://schemas.openxmlformats.org/officeDocument/2006/relationships" xmlns:p="http://schemas.openxmlformats.org/presentationml/2006/main">
+  <p:cSld>
+    <p:spTree>
+      <p:nvGrpSpPr>
+        <p:cNvPr id="1" name=""/>
+        <p:cNvGrpSpPr/>
+        <p:nvPr/>
+      </p:nvGrpSpPr>
+      <p:grpSpPr>
+        <a:xfrm>
+          <a:off x="0" y="0"/>
+          <a:ext cx="0" cy="0"/>
+          <a:chOff x="0" y="0"/>
+          <a:chExt cx="0" cy="0"/>
+        </a:xfrm>
+      </p:grpSpPr>
+      <p:sp>
+        <p:nvSpPr>
+          <p:cNvPr id="2" name="Titre 1"/>
+          <p:cNvSpPr>
+            <a:spLocks noGrp="1"/>
+          </p:cNvSpPr>
+          <p:nvPr>
+            <p:ph type="title"/>
+          </p:nvPr>
+        </p:nvSpPr>
+        <p:spPr/>
+        <p:txBody>
+          <a:bodyPr/>
+          <a:lstStyle/>
+          <a:p>
+            <a:r>
+              <a:rPr lang="fr-FR" dirty="0" smtClean="0"/>
+              <a:t>Bibliographie</a:t>
+            </a:r>
+            <a:endParaRPr lang="fr-FR" dirty="0"/>
+          </a:p>
+        </p:txBody>
+      </p:sp>
+      <p:sp>
+        <p:nvSpPr>
+          <p:cNvPr id="3" name="Espace réservé du contenu 2"/>
+          <p:cNvSpPr>
+            <a:spLocks noGrp="1"/>
+          </p:cNvSpPr>
+          <p:nvPr>
+            <p:ph idx="1"/>
+          </p:nvPr>
+        </p:nvSpPr>
+        <p:spPr/>
+        <p:txBody>
+          <a:bodyPr>
+            <a:normAutofit fontScale="85000" lnSpcReduction="10000"/>
+          </a:bodyPr>
+          <a:lstStyle/>
+          <a:p>
+            <a:pPr lvl="0"/>
+            <a:r>
+              <a:rPr lang="fr-FR" dirty="0"/>
+              <a:t>Où est l’intelligence artificielle dans les </a:t>
+            </a:r>
+            <a:r>
+              <a:rPr lang="fr-FR" dirty="0" err="1"/>
+              <a:t>chatbot</a:t>
+            </a:r>
+            <a:r>
+              <a:rPr lang="fr-FR" dirty="0"/>
+              <a:t> : </a:t>
+            </a:r>
+            <a:r>
+              <a:rPr lang="fr-FR" u="sng" dirty="0">
+                <a:hlinkClick r:id="rId2"/>
+              </a:rPr>
+              <a:t>https://www.frenchweb.fr/larnaque-chatbots-durera-t-elle-encore-longtemps/305697</a:t>
+            </a:r>
+            <a:r>
+              <a:rPr lang="fr-FR" dirty="0"/>
+              <a:t> [Très bon]</a:t>
+            </a:r>
+          </a:p>
+          <a:p>
+            <a:pPr lvl="0"/>
+            <a:r>
+              <a:rPr lang="fr-FR" dirty="0"/>
+              <a:t>Exemple de </a:t>
+            </a:r>
+            <a:r>
+              <a:rPr lang="fr-FR" dirty="0" err="1"/>
+              <a:t>chatbots</a:t>
+            </a:r>
+            <a:r>
+              <a:rPr lang="fr-FR" dirty="0"/>
+              <a:t> mis en place : </a:t>
+            </a:r>
+            <a:r>
+              <a:rPr lang="fr-FR" u="sng" dirty="0">
+                <a:hlinkClick r:id="rId3"/>
+              </a:rPr>
+              <a:t>https://medium.com/1jour1bot</a:t>
+            </a:r>
+            <a:r>
+              <a:rPr lang="en-US" dirty="0"/>
+              <a:t> </a:t>
+            </a:r>
+            <a:endParaRPr lang="fr-FR" dirty="0"/>
+          </a:p>
+          <a:p>
+            <a:pPr lvl="0"/>
+            <a:r>
+              <a:rPr lang="fr-FR" u="sng" dirty="0">
+                <a:hlinkClick r:id="rId4"/>
+              </a:rPr>
+              <a:t>http://blog.cometik.com/comment-creer-un-chatbot-pour-votre-entreprise-en-10-minutes-chrono/</a:t>
+            </a:r>
+            <a:r>
+              <a:rPr lang="fr-FR" dirty="0"/>
+              <a:t> = &gt; gratuit, si on veut inclure l’IA il faudra passer à la version payante</a:t>
+            </a:r>
+          </a:p>
+          <a:p>
+            <a:pPr lvl="0"/>
+            <a:r>
+              <a:rPr lang="en-US" dirty="0" err="1"/>
+              <a:t>Chatbot</a:t>
+            </a:r>
+            <a:r>
+              <a:rPr lang="en-US" dirty="0"/>
+              <a:t> Google : </a:t>
+            </a:r>
+            <a:r>
+              <a:rPr lang="en-US" u="sng" dirty="0">
+                <a:hlinkClick r:id="rId5"/>
+              </a:rPr>
+              <a:t>https://blog.eleven-labs.com/fr/dialogflow-votre-chatbot-facile/</a:t>
+            </a:r>
+            <a:endParaRPr lang="fr-FR" dirty="0"/>
+          </a:p>
+          <a:p>
+            <a:pPr marL="0" indent="0">
+              <a:buNone/>
+            </a:pPr>
+            <a:endParaRPr lang="fr-FR" dirty="0"/>
+          </a:p>
+        </p:txBody>
+      </p:sp>
+    </p:spTree>
+    <p:extLst>
+      <p:ext uri="{BB962C8B-B14F-4D97-AF65-F5344CB8AC3E}">
+        <p14:creationId xmlns:p14="http://schemas.microsoft.com/office/powerpoint/2010/main" val="2100057843"/>
       </p:ext>
     </p:extLst>
   </p:cSld>
